--- a/ppt/ch1.pptx
+++ b/ppt/ch1.pptx
@@ -5,7 +5,7 @@
     <p:sldMasterId id="2147483648" r:id="rId1"/>
   </p:sldMasterIdLst>
   <p:notesMasterIdLst>
-    <p:notesMasterId r:id="rId23"/>
+    <p:notesMasterId r:id="rId29"/>
   </p:notesMasterIdLst>
   <p:sldIdLst>
     <p:sldId id="256" r:id="rId2"/>
@@ -28,7 +28,13 @@
     <p:sldId id="274" r:id="rId19"/>
     <p:sldId id="275" r:id="rId20"/>
     <p:sldId id="276" r:id="rId21"/>
-    <p:sldId id="277" r:id="rId22"/>
+    <p:sldId id="278" r:id="rId22"/>
+    <p:sldId id="279" r:id="rId23"/>
+    <p:sldId id="280" r:id="rId24"/>
+    <p:sldId id="281" r:id="rId25"/>
+    <p:sldId id="282" r:id="rId26"/>
+    <p:sldId id="283" r:id="rId27"/>
+    <p:sldId id="277" r:id="rId28"/>
   </p:sldIdLst>
   <p:sldSz cx="12192000" cy="6858000"/>
   <p:notesSz cx="6858000" cy="9144000"/>
@@ -217,7 +223,7 @@
           <a:p>
             <a:fld id="{8854760A-D80C-494C-A967-F53CB38D009D}" type="datetimeFigureOut">
               <a:rPr lang="en-US" smtClean="0"/>
-              <a:t>10/3/2023</a:t>
+              <a:t>10/6/2023</a:t>
             </a:fld>
             <a:endParaRPr lang="en-US"/>
           </a:p>
@@ -718,7 +724,7 @@
           <a:p>
             <a:fld id="{0DFAF837-E492-4ADA-98D9-2F09FDDE129F}" type="datetimeFigureOut">
               <a:rPr lang="en-US" smtClean="0"/>
-              <a:t>10/3/2023</a:t>
+              <a:t>10/6/2023</a:t>
             </a:fld>
             <a:endParaRPr lang="en-US"/>
           </a:p>
@@ -918,7 +924,7 @@
           <a:p>
             <a:fld id="{0DFAF837-E492-4ADA-98D9-2F09FDDE129F}" type="datetimeFigureOut">
               <a:rPr lang="en-US" smtClean="0"/>
-              <a:t>10/3/2023</a:t>
+              <a:t>10/6/2023</a:t>
             </a:fld>
             <a:endParaRPr lang="en-US"/>
           </a:p>
@@ -1128,7 +1134,7 @@
           <a:p>
             <a:fld id="{0DFAF837-E492-4ADA-98D9-2F09FDDE129F}" type="datetimeFigureOut">
               <a:rPr lang="en-US" smtClean="0"/>
-              <a:t>10/3/2023</a:t>
+              <a:t>10/6/2023</a:t>
             </a:fld>
             <a:endParaRPr lang="en-US"/>
           </a:p>
@@ -1328,7 +1334,7 @@
           <a:p>
             <a:fld id="{0DFAF837-E492-4ADA-98D9-2F09FDDE129F}" type="datetimeFigureOut">
               <a:rPr lang="en-US" smtClean="0"/>
-              <a:t>10/3/2023</a:t>
+              <a:t>10/6/2023</a:t>
             </a:fld>
             <a:endParaRPr lang="en-US"/>
           </a:p>
@@ -1604,7 +1610,7 @@
           <a:p>
             <a:fld id="{0DFAF837-E492-4ADA-98D9-2F09FDDE129F}" type="datetimeFigureOut">
               <a:rPr lang="en-US" smtClean="0"/>
-              <a:t>10/3/2023</a:t>
+              <a:t>10/6/2023</a:t>
             </a:fld>
             <a:endParaRPr lang="en-US"/>
           </a:p>
@@ -1872,7 +1878,7 @@
           <a:p>
             <a:fld id="{0DFAF837-E492-4ADA-98D9-2F09FDDE129F}" type="datetimeFigureOut">
               <a:rPr lang="en-US" smtClean="0"/>
-              <a:t>10/3/2023</a:t>
+              <a:t>10/6/2023</a:t>
             </a:fld>
             <a:endParaRPr lang="en-US"/>
           </a:p>
@@ -2287,7 +2293,7 @@
           <a:p>
             <a:fld id="{0DFAF837-E492-4ADA-98D9-2F09FDDE129F}" type="datetimeFigureOut">
               <a:rPr lang="en-US" smtClean="0"/>
-              <a:t>10/3/2023</a:t>
+              <a:t>10/6/2023</a:t>
             </a:fld>
             <a:endParaRPr lang="en-US"/>
           </a:p>
@@ -2429,7 +2435,7 @@
           <a:p>
             <a:fld id="{0DFAF837-E492-4ADA-98D9-2F09FDDE129F}" type="datetimeFigureOut">
               <a:rPr lang="en-US" smtClean="0"/>
-              <a:t>10/3/2023</a:t>
+              <a:t>10/6/2023</a:t>
             </a:fld>
             <a:endParaRPr lang="en-US"/>
           </a:p>
@@ -2542,7 +2548,7 @@
           <a:p>
             <a:fld id="{0DFAF837-E492-4ADA-98D9-2F09FDDE129F}" type="datetimeFigureOut">
               <a:rPr lang="en-US" smtClean="0"/>
-              <a:t>10/3/2023</a:t>
+              <a:t>10/6/2023</a:t>
             </a:fld>
             <a:endParaRPr lang="en-US"/>
           </a:p>
@@ -2855,7 +2861,7 @@
           <a:p>
             <a:fld id="{0DFAF837-E492-4ADA-98D9-2F09FDDE129F}" type="datetimeFigureOut">
               <a:rPr lang="en-US" smtClean="0"/>
-              <a:t>10/3/2023</a:t>
+              <a:t>10/6/2023</a:t>
             </a:fld>
             <a:endParaRPr lang="en-US"/>
           </a:p>
@@ -3144,7 +3150,7 @@
           <a:p>
             <a:fld id="{0DFAF837-E492-4ADA-98D9-2F09FDDE129F}" type="datetimeFigureOut">
               <a:rPr lang="en-US" smtClean="0"/>
-              <a:t>10/3/2023</a:t>
+              <a:t>10/6/2023</a:t>
             </a:fld>
             <a:endParaRPr lang="en-US"/>
           </a:p>
@@ -3387,7 +3393,7 @@
           <a:p>
             <a:fld id="{0DFAF837-E492-4ADA-98D9-2F09FDDE129F}" type="datetimeFigureOut">
               <a:rPr lang="en-US" smtClean="0"/>
-              <a:t>10/3/2023</a:t>
+              <a:t>10/6/2023</a:t>
             </a:fld>
             <a:endParaRPr lang="en-US"/>
           </a:p>
@@ -6648,6 +6654,496 @@
 </file>
 
 <file path=ppt/slides/slide21.xml><?xml version="1.0" encoding="utf-8"?>
+<p:sld xmlns:a="http://schemas.openxmlformats.org/drawingml/2006/main" xmlns:r="http://schemas.openxmlformats.org/officeDocument/2006/relationships" xmlns:p="http://schemas.openxmlformats.org/presentationml/2006/main">
+  <p:cSld>
+    <p:spTree>
+      <p:nvGrpSpPr>
+        <p:cNvPr id="1" name=""/>
+        <p:cNvGrpSpPr/>
+        <p:nvPr/>
+      </p:nvGrpSpPr>
+      <p:grpSpPr>
+        <a:xfrm>
+          <a:off x="0" y="0"/>
+          <a:ext cx="0" cy="0"/>
+          <a:chOff x="0" y="0"/>
+          <a:chExt cx="0" cy="0"/>
+        </a:xfrm>
+      </p:grpSpPr>
+      <p:sp>
+        <p:nvSpPr>
+          <p:cNvPr id="2" name="標題 1">
+            <a:extLst>
+              <a:ext uri="{FF2B5EF4-FFF2-40B4-BE49-F238E27FC236}">
+                <a16:creationId xmlns:a16="http://schemas.microsoft.com/office/drawing/2014/main" id="{D004268B-CC50-4DA9-ABB8-3DBC71D38866}"/>
+              </a:ext>
+            </a:extLst>
+          </p:cNvPr>
+          <p:cNvSpPr>
+            <a:spLocks noGrp="1"/>
+          </p:cNvSpPr>
+          <p:nvPr>
+            <p:ph type="title"/>
+          </p:nvPr>
+        </p:nvSpPr>
+        <p:spPr>
+          <a:xfrm>
+            <a:off x="838200" y="2766218"/>
+            <a:ext cx="10515600" cy="1325563"/>
+          </a:xfrm>
+        </p:spPr>
+        <p:txBody>
+          <a:bodyPr/>
+          <a:lstStyle/>
+          <a:p>
+            <a:pPr algn="ctr"/>
+            <a:r>
+              <a:rPr lang="zh-TW" altLang="en-US" dirty="0"/>
+              <a:t>段考複習題</a:t>
+            </a:r>
+            <a:endParaRPr lang="en-US" dirty="0"/>
+          </a:p>
+        </p:txBody>
+      </p:sp>
+    </p:spTree>
+    <p:extLst>
+      <p:ext uri="{BB962C8B-B14F-4D97-AF65-F5344CB8AC3E}">
+        <p14:creationId xmlns:p14="http://schemas.microsoft.com/office/powerpoint/2010/main" val="2476912181"/>
+      </p:ext>
+    </p:extLst>
+  </p:cSld>
+  <p:clrMapOvr>
+    <a:masterClrMapping/>
+  </p:clrMapOvr>
+</p:sld>
+</file>
+
+<file path=ppt/slides/slide22.xml><?xml version="1.0" encoding="utf-8"?>
+<p:sld xmlns:a="http://schemas.openxmlformats.org/drawingml/2006/main" xmlns:r="http://schemas.openxmlformats.org/officeDocument/2006/relationships" xmlns:p="http://schemas.openxmlformats.org/presentationml/2006/main">
+  <p:cSld>
+    <p:spTree>
+      <p:nvGrpSpPr>
+        <p:cNvPr id="1" name=""/>
+        <p:cNvGrpSpPr/>
+        <p:nvPr/>
+      </p:nvGrpSpPr>
+      <p:grpSpPr>
+        <a:xfrm>
+          <a:off x="0" y="0"/>
+          <a:ext cx="0" cy="0"/>
+          <a:chOff x="0" y="0"/>
+          <a:chExt cx="0" cy="0"/>
+        </a:xfrm>
+      </p:grpSpPr>
+      <p:sp>
+        <p:nvSpPr>
+          <p:cNvPr id="2" name="標題 1">
+            <a:extLst>
+              <a:ext uri="{FF2B5EF4-FFF2-40B4-BE49-F238E27FC236}">
+                <a16:creationId xmlns:a16="http://schemas.microsoft.com/office/drawing/2014/main" id="{C438027B-A2E7-4073-82C4-972D698290D3}"/>
+              </a:ext>
+            </a:extLst>
+          </p:cNvPr>
+          <p:cNvSpPr>
+            <a:spLocks noGrp="1"/>
+          </p:cNvSpPr>
+          <p:nvPr>
+            <p:ph type="title"/>
+          </p:nvPr>
+        </p:nvSpPr>
+        <p:spPr/>
+        <p:txBody>
+          <a:bodyPr/>
+          <a:lstStyle/>
+          <a:p>
+            <a:endParaRPr lang="en-US"/>
+          </a:p>
+        </p:txBody>
+      </p:sp>
+      <p:pic>
+        <p:nvPicPr>
+          <p:cNvPr id="3" name="圖片 2">
+            <a:extLst>
+              <a:ext uri="{FF2B5EF4-FFF2-40B4-BE49-F238E27FC236}">
+                <a16:creationId xmlns:a16="http://schemas.microsoft.com/office/drawing/2014/main" id="{6CB913EE-657D-445F-A1B6-DB6317EC3FE6}"/>
+              </a:ext>
+            </a:extLst>
+          </p:cNvPr>
+          <p:cNvPicPr>
+            <a:picLocks noChangeAspect="1"/>
+          </p:cNvPicPr>
+          <p:nvPr/>
+        </p:nvPicPr>
+        <p:blipFill>
+          <a:blip r:embed="rId2"/>
+          <a:stretch>
+            <a:fillRect/>
+          </a:stretch>
+        </p:blipFill>
+        <p:spPr>
+          <a:xfrm>
+            <a:off x="2174240" y="0"/>
+            <a:ext cx="6801322" cy="6858000"/>
+          </a:xfrm>
+          <a:prstGeom prst="rect">
+            <a:avLst/>
+          </a:prstGeom>
+        </p:spPr>
+      </p:pic>
+    </p:spTree>
+    <p:extLst>
+      <p:ext uri="{BB962C8B-B14F-4D97-AF65-F5344CB8AC3E}">
+        <p14:creationId xmlns:p14="http://schemas.microsoft.com/office/powerpoint/2010/main" val="2940022851"/>
+      </p:ext>
+    </p:extLst>
+  </p:cSld>
+  <p:clrMapOvr>
+    <a:masterClrMapping/>
+  </p:clrMapOvr>
+</p:sld>
+</file>
+
+<file path=ppt/slides/slide23.xml><?xml version="1.0" encoding="utf-8"?>
+<p:sld xmlns:a="http://schemas.openxmlformats.org/drawingml/2006/main" xmlns:r="http://schemas.openxmlformats.org/officeDocument/2006/relationships" xmlns:p="http://schemas.openxmlformats.org/presentationml/2006/main">
+  <p:cSld>
+    <p:spTree>
+      <p:nvGrpSpPr>
+        <p:cNvPr id="1" name=""/>
+        <p:cNvGrpSpPr/>
+        <p:nvPr/>
+      </p:nvGrpSpPr>
+      <p:grpSpPr>
+        <a:xfrm>
+          <a:off x="0" y="0"/>
+          <a:ext cx="0" cy="0"/>
+          <a:chOff x="0" y="0"/>
+          <a:chExt cx="0" cy="0"/>
+        </a:xfrm>
+      </p:grpSpPr>
+      <p:sp>
+        <p:nvSpPr>
+          <p:cNvPr id="2" name="標題 1">
+            <a:extLst>
+              <a:ext uri="{FF2B5EF4-FFF2-40B4-BE49-F238E27FC236}">
+                <a16:creationId xmlns:a16="http://schemas.microsoft.com/office/drawing/2014/main" id="{45C7723F-9C02-48D7-A3A1-AADC7CAD8474}"/>
+              </a:ext>
+            </a:extLst>
+          </p:cNvPr>
+          <p:cNvSpPr>
+            <a:spLocks noGrp="1"/>
+          </p:cNvSpPr>
+          <p:nvPr>
+            <p:ph type="title"/>
+          </p:nvPr>
+        </p:nvSpPr>
+        <p:spPr/>
+        <p:txBody>
+          <a:bodyPr/>
+          <a:lstStyle/>
+          <a:p>
+            <a:endParaRPr lang="en-US"/>
+          </a:p>
+        </p:txBody>
+      </p:sp>
+      <p:pic>
+        <p:nvPicPr>
+          <p:cNvPr id="3" name="圖片 2">
+            <a:extLst>
+              <a:ext uri="{FF2B5EF4-FFF2-40B4-BE49-F238E27FC236}">
+                <a16:creationId xmlns:a16="http://schemas.microsoft.com/office/drawing/2014/main" id="{F1A61F2E-BBDE-4B30-ADB5-775B3C9DF518}"/>
+              </a:ext>
+            </a:extLst>
+          </p:cNvPr>
+          <p:cNvPicPr>
+            <a:picLocks noChangeAspect="1"/>
+          </p:cNvPicPr>
+          <p:nvPr/>
+        </p:nvPicPr>
+        <p:blipFill>
+          <a:blip r:embed="rId2"/>
+          <a:stretch>
+            <a:fillRect/>
+          </a:stretch>
+        </p:blipFill>
+        <p:spPr>
+          <a:xfrm>
+            <a:off x="457676" y="88873"/>
+            <a:ext cx="11276648" cy="6680253"/>
+          </a:xfrm>
+          <a:prstGeom prst="rect">
+            <a:avLst/>
+          </a:prstGeom>
+        </p:spPr>
+      </p:pic>
+    </p:spTree>
+    <p:extLst>
+      <p:ext uri="{BB962C8B-B14F-4D97-AF65-F5344CB8AC3E}">
+        <p14:creationId xmlns:p14="http://schemas.microsoft.com/office/powerpoint/2010/main" val="3108577002"/>
+      </p:ext>
+    </p:extLst>
+  </p:cSld>
+  <p:clrMapOvr>
+    <a:masterClrMapping/>
+  </p:clrMapOvr>
+</p:sld>
+</file>
+
+<file path=ppt/slides/slide24.xml><?xml version="1.0" encoding="utf-8"?>
+<p:sld xmlns:a="http://schemas.openxmlformats.org/drawingml/2006/main" xmlns:r="http://schemas.openxmlformats.org/officeDocument/2006/relationships" xmlns:p="http://schemas.openxmlformats.org/presentationml/2006/main">
+  <p:cSld>
+    <p:spTree>
+      <p:nvGrpSpPr>
+        <p:cNvPr id="1" name=""/>
+        <p:cNvGrpSpPr/>
+        <p:nvPr/>
+      </p:nvGrpSpPr>
+      <p:grpSpPr>
+        <a:xfrm>
+          <a:off x="0" y="0"/>
+          <a:ext cx="0" cy="0"/>
+          <a:chOff x="0" y="0"/>
+          <a:chExt cx="0" cy="0"/>
+        </a:xfrm>
+      </p:grpSpPr>
+      <p:sp>
+        <p:nvSpPr>
+          <p:cNvPr id="2" name="標題 1">
+            <a:extLst>
+              <a:ext uri="{FF2B5EF4-FFF2-40B4-BE49-F238E27FC236}">
+                <a16:creationId xmlns:a16="http://schemas.microsoft.com/office/drawing/2014/main" id="{8AE90BB6-3F0A-47C6-B450-29567FACC22E}"/>
+              </a:ext>
+            </a:extLst>
+          </p:cNvPr>
+          <p:cNvSpPr>
+            <a:spLocks noGrp="1"/>
+          </p:cNvSpPr>
+          <p:nvPr>
+            <p:ph type="title"/>
+          </p:nvPr>
+        </p:nvSpPr>
+        <p:spPr/>
+        <p:txBody>
+          <a:bodyPr/>
+          <a:lstStyle/>
+          <a:p>
+            <a:endParaRPr lang="en-US"/>
+          </a:p>
+        </p:txBody>
+      </p:sp>
+      <p:pic>
+        <p:nvPicPr>
+          <p:cNvPr id="3" name="圖片 2">
+            <a:extLst>
+              <a:ext uri="{FF2B5EF4-FFF2-40B4-BE49-F238E27FC236}">
+                <a16:creationId xmlns:a16="http://schemas.microsoft.com/office/drawing/2014/main" id="{D099FAD5-8613-461E-B6BF-6CFE940A0EBF}"/>
+              </a:ext>
+            </a:extLst>
+          </p:cNvPr>
+          <p:cNvPicPr>
+            <a:picLocks noChangeAspect="1"/>
+          </p:cNvPicPr>
+          <p:nvPr/>
+        </p:nvPicPr>
+        <p:blipFill>
+          <a:blip r:embed="rId2"/>
+          <a:stretch>
+            <a:fillRect/>
+          </a:stretch>
+        </p:blipFill>
+        <p:spPr>
+          <a:xfrm>
+            <a:off x="0" y="639762"/>
+            <a:ext cx="12100836" cy="5578475"/>
+          </a:xfrm>
+          <a:prstGeom prst="rect">
+            <a:avLst/>
+          </a:prstGeom>
+        </p:spPr>
+      </p:pic>
+    </p:spTree>
+    <p:extLst>
+      <p:ext uri="{BB962C8B-B14F-4D97-AF65-F5344CB8AC3E}">
+        <p14:creationId xmlns:p14="http://schemas.microsoft.com/office/powerpoint/2010/main" val="2656804260"/>
+      </p:ext>
+    </p:extLst>
+  </p:cSld>
+  <p:clrMapOvr>
+    <a:masterClrMapping/>
+  </p:clrMapOvr>
+</p:sld>
+</file>
+
+<file path=ppt/slides/slide25.xml><?xml version="1.0" encoding="utf-8"?>
+<p:sld xmlns:a="http://schemas.openxmlformats.org/drawingml/2006/main" xmlns:r="http://schemas.openxmlformats.org/officeDocument/2006/relationships" xmlns:p="http://schemas.openxmlformats.org/presentationml/2006/main">
+  <p:cSld>
+    <p:spTree>
+      <p:nvGrpSpPr>
+        <p:cNvPr id="1" name=""/>
+        <p:cNvGrpSpPr/>
+        <p:nvPr/>
+      </p:nvGrpSpPr>
+      <p:grpSpPr>
+        <a:xfrm>
+          <a:off x="0" y="0"/>
+          <a:ext cx="0" cy="0"/>
+          <a:chOff x="0" y="0"/>
+          <a:chExt cx="0" cy="0"/>
+        </a:xfrm>
+      </p:grpSpPr>
+      <p:sp>
+        <p:nvSpPr>
+          <p:cNvPr id="2" name="標題 1">
+            <a:extLst>
+              <a:ext uri="{FF2B5EF4-FFF2-40B4-BE49-F238E27FC236}">
+                <a16:creationId xmlns:a16="http://schemas.microsoft.com/office/drawing/2014/main" id="{02B96D0F-5348-413A-AD25-2E3F5D012561}"/>
+              </a:ext>
+            </a:extLst>
+          </p:cNvPr>
+          <p:cNvSpPr>
+            <a:spLocks noGrp="1"/>
+          </p:cNvSpPr>
+          <p:nvPr>
+            <p:ph type="title"/>
+          </p:nvPr>
+        </p:nvSpPr>
+        <p:spPr/>
+        <p:txBody>
+          <a:bodyPr/>
+          <a:lstStyle/>
+          <a:p>
+            <a:endParaRPr lang="en-US"/>
+          </a:p>
+        </p:txBody>
+      </p:sp>
+      <p:pic>
+        <p:nvPicPr>
+          <p:cNvPr id="3" name="圖片 2">
+            <a:extLst>
+              <a:ext uri="{FF2B5EF4-FFF2-40B4-BE49-F238E27FC236}">
+                <a16:creationId xmlns:a16="http://schemas.microsoft.com/office/drawing/2014/main" id="{8A93C52D-9AE6-4558-9307-EA6885BB5C9F}"/>
+              </a:ext>
+            </a:extLst>
+          </p:cNvPr>
+          <p:cNvPicPr>
+            <a:picLocks noChangeAspect="1"/>
+          </p:cNvPicPr>
+          <p:nvPr/>
+        </p:nvPicPr>
+        <p:blipFill>
+          <a:blip r:embed="rId2"/>
+          <a:stretch>
+            <a:fillRect/>
+          </a:stretch>
+        </p:blipFill>
+        <p:spPr>
+          <a:xfrm>
+            <a:off x="0" y="545464"/>
+            <a:ext cx="12029440" cy="5103399"/>
+          </a:xfrm>
+          <a:prstGeom prst="rect">
+            <a:avLst/>
+          </a:prstGeom>
+        </p:spPr>
+      </p:pic>
+    </p:spTree>
+    <p:extLst>
+      <p:ext uri="{BB962C8B-B14F-4D97-AF65-F5344CB8AC3E}">
+        <p14:creationId xmlns:p14="http://schemas.microsoft.com/office/powerpoint/2010/main" val="2635371213"/>
+      </p:ext>
+    </p:extLst>
+  </p:cSld>
+  <p:clrMapOvr>
+    <a:masterClrMapping/>
+  </p:clrMapOvr>
+</p:sld>
+</file>
+
+<file path=ppt/slides/slide26.xml><?xml version="1.0" encoding="utf-8"?>
+<p:sld xmlns:a="http://schemas.openxmlformats.org/drawingml/2006/main" xmlns:r="http://schemas.openxmlformats.org/officeDocument/2006/relationships" xmlns:p="http://schemas.openxmlformats.org/presentationml/2006/main">
+  <p:cSld>
+    <p:spTree>
+      <p:nvGrpSpPr>
+        <p:cNvPr id="1" name=""/>
+        <p:cNvGrpSpPr/>
+        <p:nvPr/>
+      </p:nvGrpSpPr>
+      <p:grpSpPr>
+        <a:xfrm>
+          <a:off x="0" y="0"/>
+          <a:ext cx="0" cy="0"/>
+          <a:chOff x="0" y="0"/>
+          <a:chExt cx="0" cy="0"/>
+        </a:xfrm>
+      </p:grpSpPr>
+      <p:sp>
+        <p:nvSpPr>
+          <p:cNvPr id="2" name="標題 1">
+            <a:extLst>
+              <a:ext uri="{FF2B5EF4-FFF2-40B4-BE49-F238E27FC236}">
+                <a16:creationId xmlns:a16="http://schemas.microsoft.com/office/drawing/2014/main" id="{51E0C420-5BF6-42C5-807A-24913C154B83}"/>
+              </a:ext>
+            </a:extLst>
+          </p:cNvPr>
+          <p:cNvSpPr>
+            <a:spLocks noGrp="1"/>
+          </p:cNvSpPr>
+          <p:nvPr>
+            <p:ph type="title"/>
+          </p:nvPr>
+        </p:nvSpPr>
+        <p:spPr/>
+        <p:txBody>
+          <a:bodyPr/>
+          <a:lstStyle/>
+          <a:p>
+            <a:endParaRPr lang="en-US"/>
+          </a:p>
+        </p:txBody>
+      </p:sp>
+      <p:pic>
+        <p:nvPicPr>
+          <p:cNvPr id="3" name="圖片 2">
+            <a:extLst>
+              <a:ext uri="{FF2B5EF4-FFF2-40B4-BE49-F238E27FC236}">
+                <a16:creationId xmlns:a16="http://schemas.microsoft.com/office/drawing/2014/main" id="{6C37F848-D14D-4AF2-9919-54CD9529876F}"/>
+              </a:ext>
+            </a:extLst>
+          </p:cNvPr>
+          <p:cNvPicPr>
+            <a:picLocks noChangeAspect="1"/>
+          </p:cNvPicPr>
+          <p:nvPr/>
+        </p:nvPicPr>
+        <p:blipFill>
+          <a:blip r:embed="rId2"/>
+          <a:stretch>
+            <a:fillRect/>
+          </a:stretch>
+        </p:blipFill>
+        <p:spPr>
+          <a:xfrm>
+            <a:off x="0" y="927417"/>
+            <a:ext cx="12070080" cy="4755195"/>
+          </a:xfrm>
+          <a:prstGeom prst="rect">
+            <a:avLst/>
+          </a:prstGeom>
+        </p:spPr>
+      </p:pic>
+    </p:spTree>
+    <p:extLst>
+      <p:ext uri="{BB962C8B-B14F-4D97-AF65-F5344CB8AC3E}">
+        <p14:creationId xmlns:p14="http://schemas.microsoft.com/office/powerpoint/2010/main" val="1885805840"/>
+      </p:ext>
+    </p:extLst>
+  </p:cSld>
+  <p:clrMapOvr>
+    <a:masterClrMapping/>
+  </p:clrMapOvr>
+</p:sld>
+</file>
+
+<file path=ppt/slides/slide27.xml><?xml version="1.0" encoding="utf-8"?>
 <p:sld xmlns:a="http://schemas.openxmlformats.org/drawingml/2006/main" xmlns:r="http://schemas.openxmlformats.org/officeDocument/2006/relationships" xmlns:p="http://schemas.openxmlformats.org/presentationml/2006/main">
   <p:cSld>
     <p:spTree>

--- a/ppt/ch1.pptx
+++ b/ppt/ch1.pptx
@@ -223,7 +223,7 @@
           <a:p>
             <a:fld id="{8854760A-D80C-494C-A967-F53CB38D009D}" type="datetimeFigureOut">
               <a:rPr lang="en-US" smtClean="0"/>
-              <a:t>10/6/2023</a:t>
+              <a:t>10/24/2023</a:t>
             </a:fld>
             <a:endParaRPr lang="en-US"/>
           </a:p>
@@ -724,7 +724,7 @@
           <a:p>
             <a:fld id="{0DFAF837-E492-4ADA-98D9-2F09FDDE129F}" type="datetimeFigureOut">
               <a:rPr lang="en-US" smtClean="0"/>
-              <a:t>10/6/2023</a:t>
+              <a:t>10/24/2023</a:t>
             </a:fld>
             <a:endParaRPr lang="en-US"/>
           </a:p>
@@ -924,7 +924,7 @@
           <a:p>
             <a:fld id="{0DFAF837-E492-4ADA-98D9-2F09FDDE129F}" type="datetimeFigureOut">
               <a:rPr lang="en-US" smtClean="0"/>
-              <a:t>10/6/2023</a:t>
+              <a:t>10/24/2023</a:t>
             </a:fld>
             <a:endParaRPr lang="en-US"/>
           </a:p>
@@ -1134,7 +1134,7 @@
           <a:p>
             <a:fld id="{0DFAF837-E492-4ADA-98D9-2F09FDDE129F}" type="datetimeFigureOut">
               <a:rPr lang="en-US" smtClean="0"/>
-              <a:t>10/6/2023</a:t>
+              <a:t>10/24/2023</a:t>
             </a:fld>
             <a:endParaRPr lang="en-US"/>
           </a:p>
@@ -1334,7 +1334,7 @@
           <a:p>
             <a:fld id="{0DFAF837-E492-4ADA-98D9-2F09FDDE129F}" type="datetimeFigureOut">
               <a:rPr lang="en-US" smtClean="0"/>
-              <a:t>10/6/2023</a:t>
+              <a:t>10/24/2023</a:t>
             </a:fld>
             <a:endParaRPr lang="en-US"/>
           </a:p>
@@ -1610,7 +1610,7 @@
           <a:p>
             <a:fld id="{0DFAF837-E492-4ADA-98D9-2F09FDDE129F}" type="datetimeFigureOut">
               <a:rPr lang="en-US" smtClean="0"/>
-              <a:t>10/6/2023</a:t>
+              <a:t>10/24/2023</a:t>
             </a:fld>
             <a:endParaRPr lang="en-US"/>
           </a:p>
@@ -1878,7 +1878,7 @@
           <a:p>
             <a:fld id="{0DFAF837-E492-4ADA-98D9-2F09FDDE129F}" type="datetimeFigureOut">
               <a:rPr lang="en-US" smtClean="0"/>
-              <a:t>10/6/2023</a:t>
+              <a:t>10/24/2023</a:t>
             </a:fld>
             <a:endParaRPr lang="en-US"/>
           </a:p>
@@ -2293,7 +2293,7 @@
           <a:p>
             <a:fld id="{0DFAF837-E492-4ADA-98D9-2F09FDDE129F}" type="datetimeFigureOut">
               <a:rPr lang="en-US" smtClean="0"/>
-              <a:t>10/6/2023</a:t>
+              <a:t>10/24/2023</a:t>
             </a:fld>
             <a:endParaRPr lang="en-US"/>
           </a:p>
@@ -2435,7 +2435,7 @@
           <a:p>
             <a:fld id="{0DFAF837-E492-4ADA-98D9-2F09FDDE129F}" type="datetimeFigureOut">
               <a:rPr lang="en-US" smtClean="0"/>
-              <a:t>10/6/2023</a:t>
+              <a:t>10/24/2023</a:t>
             </a:fld>
             <a:endParaRPr lang="en-US"/>
           </a:p>
@@ -2548,7 +2548,7 @@
           <a:p>
             <a:fld id="{0DFAF837-E492-4ADA-98D9-2F09FDDE129F}" type="datetimeFigureOut">
               <a:rPr lang="en-US" smtClean="0"/>
-              <a:t>10/6/2023</a:t>
+              <a:t>10/24/2023</a:t>
             </a:fld>
             <a:endParaRPr lang="en-US"/>
           </a:p>
@@ -2861,7 +2861,7 @@
           <a:p>
             <a:fld id="{0DFAF837-E492-4ADA-98D9-2F09FDDE129F}" type="datetimeFigureOut">
               <a:rPr lang="en-US" smtClean="0"/>
-              <a:t>10/6/2023</a:t>
+              <a:t>10/24/2023</a:t>
             </a:fld>
             <a:endParaRPr lang="en-US"/>
           </a:p>
@@ -3150,7 +3150,7 @@
           <a:p>
             <a:fld id="{0DFAF837-E492-4ADA-98D9-2F09FDDE129F}" type="datetimeFigureOut">
               <a:rPr lang="en-US" smtClean="0"/>
-              <a:t>10/6/2023</a:t>
+              <a:t>10/24/2023</a:t>
             </a:fld>
             <a:endParaRPr lang="en-US"/>
           </a:p>
@@ -3393,7 +3393,7 @@
           <a:p>
             <a:fld id="{0DFAF837-E492-4ADA-98D9-2F09FDDE129F}" type="datetimeFigureOut">
               <a:rPr lang="en-US" smtClean="0"/>
-              <a:t>10/6/2023</a:t>
+              <a:t>10/24/2023</a:t>
             </a:fld>
             <a:endParaRPr lang="en-US"/>
           </a:p>
@@ -7199,16 +7199,15 @@
           </p:cNvPicPr>
           <p:nvPr/>
         </p:nvPicPr>
-        <p:blipFill>
+        <p:blipFill rotWithShape="1">
           <a:blip r:embed="rId2"/>
-          <a:stretch>
-            <a:fillRect/>
-          </a:stretch>
+          <a:srcRect b="35385"/>
+          <a:stretch/>
         </p:blipFill>
         <p:spPr>
           <a:xfrm>
-            <a:off x="1329689" y="2035174"/>
-            <a:ext cx="8704457" cy="3187065"/>
+            <a:off x="1339849" y="2675255"/>
+            <a:ext cx="8704457" cy="2059306"/>
           </a:xfrm>
           <a:prstGeom prst="rect">
             <a:avLst/>

--- a/ppt/ch1.pptx
+++ b/ppt/ch1.pptx
@@ -5,7 +5,7 @@
     <p:sldMasterId id="2147483648" r:id="rId1"/>
   </p:sldMasterIdLst>
   <p:notesMasterIdLst>
-    <p:notesMasterId r:id="rId29"/>
+    <p:notesMasterId r:id="rId30"/>
   </p:notesMasterIdLst>
   <p:sldIdLst>
     <p:sldId id="256" r:id="rId2"/>
@@ -35,6 +35,7 @@
     <p:sldId id="282" r:id="rId26"/>
     <p:sldId id="283" r:id="rId27"/>
     <p:sldId id="277" r:id="rId28"/>
+    <p:sldId id="284" r:id="rId29"/>
   </p:sldIdLst>
   <p:sldSz cx="12192000" cy="6858000"/>
   <p:notesSz cx="6858000" cy="9144000"/>
@@ -223,7 +224,7 @@
           <a:p>
             <a:fld id="{8854760A-D80C-494C-A967-F53CB38D009D}" type="datetimeFigureOut">
               <a:rPr lang="en-US" smtClean="0"/>
-              <a:t>10/24/2023</a:t>
+              <a:t>10/27/2023</a:t>
             </a:fld>
             <a:endParaRPr lang="en-US"/>
           </a:p>
@@ -724,7 +725,7 @@
           <a:p>
             <a:fld id="{0DFAF837-E492-4ADA-98D9-2F09FDDE129F}" type="datetimeFigureOut">
               <a:rPr lang="en-US" smtClean="0"/>
-              <a:t>10/24/2023</a:t>
+              <a:t>10/27/2023</a:t>
             </a:fld>
             <a:endParaRPr lang="en-US"/>
           </a:p>
@@ -924,7 +925,7 @@
           <a:p>
             <a:fld id="{0DFAF837-E492-4ADA-98D9-2F09FDDE129F}" type="datetimeFigureOut">
               <a:rPr lang="en-US" smtClean="0"/>
-              <a:t>10/24/2023</a:t>
+              <a:t>10/27/2023</a:t>
             </a:fld>
             <a:endParaRPr lang="en-US"/>
           </a:p>
@@ -1134,7 +1135,7 @@
           <a:p>
             <a:fld id="{0DFAF837-E492-4ADA-98D9-2F09FDDE129F}" type="datetimeFigureOut">
               <a:rPr lang="en-US" smtClean="0"/>
-              <a:t>10/24/2023</a:t>
+              <a:t>10/27/2023</a:t>
             </a:fld>
             <a:endParaRPr lang="en-US"/>
           </a:p>
@@ -1334,7 +1335,7 @@
           <a:p>
             <a:fld id="{0DFAF837-E492-4ADA-98D9-2F09FDDE129F}" type="datetimeFigureOut">
               <a:rPr lang="en-US" smtClean="0"/>
-              <a:t>10/24/2023</a:t>
+              <a:t>10/27/2023</a:t>
             </a:fld>
             <a:endParaRPr lang="en-US"/>
           </a:p>
@@ -1610,7 +1611,7 @@
           <a:p>
             <a:fld id="{0DFAF837-E492-4ADA-98D9-2F09FDDE129F}" type="datetimeFigureOut">
               <a:rPr lang="en-US" smtClean="0"/>
-              <a:t>10/24/2023</a:t>
+              <a:t>10/27/2023</a:t>
             </a:fld>
             <a:endParaRPr lang="en-US"/>
           </a:p>
@@ -1878,7 +1879,7 @@
           <a:p>
             <a:fld id="{0DFAF837-E492-4ADA-98D9-2F09FDDE129F}" type="datetimeFigureOut">
               <a:rPr lang="en-US" smtClean="0"/>
-              <a:t>10/24/2023</a:t>
+              <a:t>10/27/2023</a:t>
             </a:fld>
             <a:endParaRPr lang="en-US"/>
           </a:p>
@@ -2293,7 +2294,7 @@
           <a:p>
             <a:fld id="{0DFAF837-E492-4ADA-98D9-2F09FDDE129F}" type="datetimeFigureOut">
               <a:rPr lang="en-US" smtClean="0"/>
-              <a:t>10/24/2023</a:t>
+              <a:t>10/27/2023</a:t>
             </a:fld>
             <a:endParaRPr lang="en-US"/>
           </a:p>
@@ -2435,7 +2436,7 @@
           <a:p>
             <a:fld id="{0DFAF837-E492-4ADA-98D9-2F09FDDE129F}" type="datetimeFigureOut">
               <a:rPr lang="en-US" smtClean="0"/>
-              <a:t>10/24/2023</a:t>
+              <a:t>10/27/2023</a:t>
             </a:fld>
             <a:endParaRPr lang="en-US"/>
           </a:p>
@@ -2548,7 +2549,7 @@
           <a:p>
             <a:fld id="{0DFAF837-E492-4ADA-98D9-2F09FDDE129F}" type="datetimeFigureOut">
               <a:rPr lang="en-US" smtClean="0"/>
-              <a:t>10/24/2023</a:t>
+              <a:t>10/27/2023</a:t>
             </a:fld>
             <a:endParaRPr lang="en-US"/>
           </a:p>
@@ -2861,7 +2862,7 @@
           <a:p>
             <a:fld id="{0DFAF837-E492-4ADA-98D9-2F09FDDE129F}" type="datetimeFigureOut">
               <a:rPr lang="en-US" smtClean="0"/>
-              <a:t>10/24/2023</a:t>
+              <a:t>10/27/2023</a:t>
             </a:fld>
             <a:endParaRPr lang="en-US"/>
           </a:p>
@@ -3150,7 +3151,7 @@
           <a:p>
             <a:fld id="{0DFAF837-E492-4ADA-98D9-2F09FDDE129F}" type="datetimeFigureOut">
               <a:rPr lang="en-US" smtClean="0"/>
-              <a:t>10/24/2023</a:t>
+              <a:t>10/27/2023</a:t>
             </a:fld>
             <a:endParaRPr lang="en-US"/>
           </a:p>
@@ -3393,7 +3394,7 @@
           <a:p>
             <a:fld id="{0DFAF837-E492-4ADA-98D9-2F09FDDE129F}" type="datetimeFigureOut">
               <a:rPr lang="en-US" smtClean="0"/>
-              <a:t>10/24/2023</a:t>
+              <a:t>10/27/2023</a:t>
             </a:fld>
             <a:endParaRPr lang="en-US"/>
           </a:p>
@@ -7218,6 +7219,133 @@
     <p:extLst>
       <p:ext uri="{BB962C8B-B14F-4D97-AF65-F5344CB8AC3E}">
         <p14:creationId xmlns:p14="http://schemas.microsoft.com/office/powerpoint/2010/main" val="900825014"/>
+      </p:ext>
+    </p:extLst>
+  </p:cSld>
+  <p:clrMapOvr>
+    <a:masterClrMapping/>
+  </p:clrMapOvr>
+</p:sld>
+</file>
+
+<file path=ppt/slides/slide28.xml><?xml version="1.0" encoding="utf-8"?>
+<p:sld xmlns:a="http://schemas.openxmlformats.org/drawingml/2006/main" xmlns:r="http://schemas.openxmlformats.org/officeDocument/2006/relationships" xmlns:p="http://schemas.openxmlformats.org/presentationml/2006/main">
+  <p:cSld>
+    <p:spTree>
+      <p:nvGrpSpPr>
+        <p:cNvPr id="1" name=""/>
+        <p:cNvGrpSpPr/>
+        <p:nvPr/>
+      </p:nvGrpSpPr>
+      <p:grpSpPr>
+        <a:xfrm>
+          <a:off x="0" y="0"/>
+          <a:ext cx="0" cy="0"/>
+          <a:chOff x="0" y="0"/>
+          <a:chExt cx="0" cy="0"/>
+        </a:xfrm>
+      </p:grpSpPr>
+      <p:sp>
+        <p:nvSpPr>
+          <p:cNvPr id="2" name="標題 1">
+            <a:extLst>
+              <a:ext uri="{FF2B5EF4-FFF2-40B4-BE49-F238E27FC236}">
+                <a16:creationId xmlns:a16="http://schemas.microsoft.com/office/drawing/2014/main" id="{794C1828-DFAC-443B-B09B-871083740C38}"/>
+              </a:ext>
+            </a:extLst>
+          </p:cNvPr>
+          <p:cNvSpPr>
+            <a:spLocks noGrp="1"/>
+          </p:cNvSpPr>
+          <p:nvPr>
+            <p:ph type="title"/>
+          </p:nvPr>
+        </p:nvSpPr>
+        <p:spPr/>
+        <p:txBody>
+          <a:bodyPr/>
+          <a:lstStyle/>
+          <a:p>
+            <a:pPr algn="ctr"/>
+            <a:r>
+              <a:rPr lang="zh-TW" altLang="en-US" dirty="0"/>
+              <a:t>九九乘法表</a:t>
+            </a:r>
+            <a:endParaRPr lang="en-US" dirty="0"/>
+          </a:p>
+        </p:txBody>
+      </p:sp>
+      <p:pic>
+        <p:nvPicPr>
+          <p:cNvPr id="3" name="圖片 2">
+            <a:extLst>
+              <a:ext uri="{FF2B5EF4-FFF2-40B4-BE49-F238E27FC236}">
+                <a16:creationId xmlns:a16="http://schemas.microsoft.com/office/drawing/2014/main" id="{BFD2352E-2A21-4778-A5DD-DDB8FA4A07FA}"/>
+              </a:ext>
+            </a:extLst>
+          </p:cNvPr>
+          <p:cNvPicPr>
+            <a:picLocks noChangeAspect="1"/>
+          </p:cNvPicPr>
+          <p:nvPr/>
+        </p:nvPicPr>
+        <p:blipFill>
+          <a:blip r:embed="rId2"/>
+          <a:stretch>
+            <a:fillRect/>
+          </a:stretch>
+        </p:blipFill>
+        <p:spPr>
+          <a:xfrm>
+            <a:off x="1369746" y="3042920"/>
+            <a:ext cx="9452505" cy="3014028"/>
+          </a:xfrm>
+          <a:prstGeom prst="rect">
+            <a:avLst/>
+          </a:prstGeom>
+        </p:spPr>
+      </p:pic>
+      <p:sp>
+        <p:nvSpPr>
+          <p:cNvPr id="4" name="文字方塊 3">
+            <a:extLst>
+              <a:ext uri="{FF2B5EF4-FFF2-40B4-BE49-F238E27FC236}">
+                <a16:creationId xmlns:a16="http://schemas.microsoft.com/office/drawing/2014/main" id="{E9D54E4A-875D-4E28-B463-86B166DBE4FB}"/>
+              </a:ext>
+            </a:extLst>
+          </p:cNvPr>
+          <p:cNvSpPr txBox="1"/>
+          <p:nvPr/>
+        </p:nvSpPr>
+        <p:spPr>
+          <a:xfrm flipH="1">
+            <a:off x="3721098" y="1924864"/>
+            <a:ext cx="4749802" cy="523220"/>
+          </a:xfrm>
+          <a:prstGeom prst="rect">
+            <a:avLst/>
+          </a:prstGeom>
+          <a:noFill/>
+        </p:spPr>
+        <p:txBody>
+          <a:bodyPr wrap="square" rtlCol="0">
+            <a:spAutoFit/>
+          </a:bodyPr>
+          <a:lstStyle/>
+          <a:p>
+            <a:pPr algn="ctr"/>
+            <a:r>
+              <a:rPr lang="zh-TW" altLang="en-US" sz="2800" dirty="0"/>
+              <a:t>請用程式列印出以下乘法表</a:t>
+            </a:r>
+            <a:endParaRPr lang="en-US" sz="2800" dirty="0"/>
+          </a:p>
+        </p:txBody>
+      </p:sp>
+    </p:spTree>
+    <p:extLst>
+      <p:ext uri="{BB962C8B-B14F-4D97-AF65-F5344CB8AC3E}">
+        <p14:creationId xmlns:p14="http://schemas.microsoft.com/office/powerpoint/2010/main" val="3107326071"/>
       </p:ext>
     </p:extLst>
   </p:cSld>

--- a/ppt/ch1.pptx
+++ b/ppt/ch1.pptx
@@ -5,7 +5,7 @@
     <p:sldMasterId id="2147483648" r:id="rId1"/>
   </p:sldMasterIdLst>
   <p:notesMasterIdLst>
-    <p:notesMasterId r:id="rId30"/>
+    <p:notesMasterId r:id="rId31"/>
   </p:notesMasterIdLst>
   <p:sldIdLst>
     <p:sldId id="256" r:id="rId2"/>
@@ -36,6 +36,7 @@
     <p:sldId id="283" r:id="rId27"/>
     <p:sldId id="277" r:id="rId28"/>
     <p:sldId id="284" r:id="rId29"/>
+    <p:sldId id="285" r:id="rId30"/>
   </p:sldIdLst>
   <p:sldSz cx="12192000" cy="6858000"/>
   <p:notesSz cx="6858000" cy="9144000"/>
@@ -224,7 +225,7 @@
           <a:p>
             <a:fld id="{8854760A-D80C-494C-A967-F53CB38D009D}" type="datetimeFigureOut">
               <a:rPr lang="en-US" smtClean="0"/>
-              <a:t>10/27/2023</a:t>
+              <a:t>10/31/2023</a:t>
             </a:fld>
             <a:endParaRPr lang="en-US"/>
           </a:p>
@@ -725,7 +726,7 @@
           <a:p>
             <a:fld id="{0DFAF837-E492-4ADA-98D9-2F09FDDE129F}" type="datetimeFigureOut">
               <a:rPr lang="en-US" smtClean="0"/>
-              <a:t>10/27/2023</a:t>
+              <a:t>10/31/2023</a:t>
             </a:fld>
             <a:endParaRPr lang="en-US"/>
           </a:p>
@@ -925,7 +926,7 @@
           <a:p>
             <a:fld id="{0DFAF837-E492-4ADA-98D9-2F09FDDE129F}" type="datetimeFigureOut">
               <a:rPr lang="en-US" smtClean="0"/>
-              <a:t>10/27/2023</a:t>
+              <a:t>10/31/2023</a:t>
             </a:fld>
             <a:endParaRPr lang="en-US"/>
           </a:p>
@@ -1135,7 +1136,7 @@
           <a:p>
             <a:fld id="{0DFAF837-E492-4ADA-98D9-2F09FDDE129F}" type="datetimeFigureOut">
               <a:rPr lang="en-US" smtClean="0"/>
-              <a:t>10/27/2023</a:t>
+              <a:t>10/31/2023</a:t>
             </a:fld>
             <a:endParaRPr lang="en-US"/>
           </a:p>
@@ -1335,7 +1336,7 @@
           <a:p>
             <a:fld id="{0DFAF837-E492-4ADA-98D9-2F09FDDE129F}" type="datetimeFigureOut">
               <a:rPr lang="en-US" smtClean="0"/>
-              <a:t>10/27/2023</a:t>
+              <a:t>10/31/2023</a:t>
             </a:fld>
             <a:endParaRPr lang="en-US"/>
           </a:p>
@@ -1611,7 +1612,7 @@
           <a:p>
             <a:fld id="{0DFAF837-E492-4ADA-98D9-2F09FDDE129F}" type="datetimeFigureOut">
               <a:rPr lang="en-US" smtClean="0"/>
-              <a:t>10/27/2023</a:t>
+              <a:t>10/31/2023</a:t>
             </a:fld>
             <a:endParaRPr lang="en-US"/>
           </a:p>
@@ -1879,7 +1880,7 @@
           <a:p>
             <a:fld id="{0DFAF837-E492-4ADA-98D9-2F09FDDE129F}" type="datetimeFigureOut">
               <a:rPr lang="en-US" smtClean="0"/>
-              <a:t>10/27/2023</a:t>
+              <a:t>10/31/2023</a:t>
             </a:fld>
             <a:endParaRPr lang="en-US"/>
           </a:p>
@@ -2294,7 +2295,7 @@
           <a:p>
             <a:fld id="{0DFAF837-E492-4ADA-98D9-2F09FDDE129F}" type="datetimeFigureOut">
               <a:rPr lang="en-US" smtClean="0"/>
-              <a:t>10/27/2023</a:t>
+              <a:t>10/31/2023</a:t>
             </a:fld>
             <a:endParaRPr lang="en-US"/>
           </a:p>
@@ -2436,7 +2437,7 @@
           <a:p>
             <a:fld id="{0DFAF837-E492-4ADA-98D9-2F09FDDE129F}" type="datetimeFigureOut">
               <a:rPr lang="en-US" smtClean="0"/>
-              <a:t>10/27/2023</a:t>
+              <a:t>10/31/2023</a:t>
             </a:fld>
             <a:endParaRPr lang="en-US"/>
           </a:p>
@@ -2549,7 +2550,7 @@
           <a:p>
             <a:fld id="{0DFAF837-E492-4ADA-98D9-2F09FDDE129F}" type="datetimeFigureOut">
               <a:rPr lang="en-US" smtClean="0"/>
-              <a:t>10/27/2023</a:t>
+              <a:t>10/31/2023</a:t>
             </a:fld>
             <a:endParaRPr lang="en-US"/>
           </a:p>
@@ -2862,7 +2863,7 @@
           <a:p>
             <a:fld id="{0DFAF837-E492-4ADA-98D9-2F09FDDE129F}" type="datetimeFigureOut">
               <a:rPr lang="en-US" smtClean="0"/>
-              <a:t>10/27/2023</a:t>
+              <a:t>10/31/2023</a:t>
             </a:fld>
             <a:endParaRPr lang="en-US"/>
           </a:p>
@@ -3151,7 +3152,7 @@
           <a:p>
             <a:fld id="{0DFAF837-E492-4ADA-98D9-2F09FDDE129F}" type="datetimeFigureOut">
               <a:rPr lang="en-US" smtClean="0"/>
-              <a:t>10/27/2023</a:t>
+              <a:t>10/31/2023</a:t>
             </a:fld>
             <a:endParaRPr lang="en-US"/>
           </a:p>
@@ -3394,7 +3395,7 @@
           <a:p>
             <a:fld id="{0DFAF837-E492-4ADA-98D9-2F09FDDE129F}" type="datetimeFigureOut">
               <a:rPr lang="en-US" smtClean="0"/>
-              <a:t>10/27/2023</a:t>
+              <a:t>10/31/2023</a:t>
             </a:fld>
             <a:endParaRPr lang="en-US"/>
           </a:p>
@@ -7346,6 +7347,307 @@
     <p:extLst>
       <p:ext uri="{BB962C8B-B14F-4D97-AF65-F5344CB8AC3E}">
         <p14:creationId xmlns:p14="http://schemas.microsoft.com/office/powerpoint/2010/main" val="3107326071"/>
+      </p:ext>
+    </p:extLst>
+  </p:cSld>
+  <p:clrMapOvr>
+    <a:masterClrMapping/>
+  </p:clrMapOvr>
+</p:sld>
+</file>
+
+<file path=ppt/slides/slide29.xml><?xml version="1.0" encoding="utf-8"?>
+<p:sld xmlns:a="http://schemas.openxmlformats.org/drawingml/2006/main" xmlns:r="http://schemas.openxmlformats.org/officeDocument/2006/relationships" xmlns:p="http://schemas.openxmlformats.org/presentationml/2006/main">
+  <p:cSld>
+    <p:spTree>
+      <p:nvGrpSpPr>
+        <p:cNvPr id="1" name=""/>
+        <p:cNvGrpSpPr/>
+        <p:nvPr/>
+      </p:nvGrpSpPr>
+      <p:grpSpPr>
+        <a:xfrm>
+          <a:off x="0" y="0"/>
+          <a:ext cx="0" cy="0"/>
+          <a:chOff x="0" y="0"/>
+          <a:chExt cx="0" cy="0"/>
+        </a:xfrm>
+      </p:grpSpPr>
+      <p:sp>
+        <p:nvSpPr>
+          <p:cNvPr id="4" name="標題 3">
+            <a:extLst>
+              <a:ext uri="{FF2B5EF4-FFF2-40B4-BE49-F238E27FC236}">
+                <a16:creationId xmlns:a16="http://schemas.microsoft.com/office/drawing/2014/main" id="{15C06177-07A0-4682-8543-AAF997395D36}"/>
+              </a:ext>
+            </a:extLst>
+          </p:cNvPr>
+          <p:cNvSpPr>
+            <a:spLocks noGrp="1"/>
+          </p:cNvSpPr>
+          <p:nvPr>
+            <p:ph type="title"/>
+          </p:nvPr>
+        </p:nvSpPr>
+        <p:spPr>
+          <a:xfrm>
+            <a:off x="838200" y="3307080"/>
+            <a:ext cx="10515600" cy="3429000"/>
+          </a:xfrm>
+        </p:spPr>
+        <p:txBody>
+          <a:bodyPr>
+            <a:noAutofit/>
+          </a:bodyPr>
+          <a:lstStyle/>
+          <a:p>
+            <a:r>
+              <a:rPr lang="zh-TW" altLang="en-US" sz="2000" dirty="0"/>
+              <a:t>請複製以下程式碼，貼在你的編譯器，並調整</a:t>
+            </a:r>
+            <a:r>
+              <a:rPr lang="en-US" altLang="zh-TW" sz="2000" dirty="0"/>
+              <a:t>/</a:t>
+            </a:r>
+            <a:r>
+              <a:rPr lang="zh-TW" altLang="en-US" sz="2000"/>
+              <a:t>模仿成以上</a:t>
+            </a:r>
+            <a:r>
+              <a:rPr lang="zh-TW" altLang="en-US" sz="2000" dirty="0"/>
+              <a:t>格式。</a:t>
+            </a:r>
+            <a:br>
+              <a:rPr lang="en-US" sz="2000" dirty="0"/>
+            </a:br>
+            <a:r>
+              <a:rPr lang="en-US" sz="2000" dirty="0"/>
+              <a:t>def </a:t>
+            </a:r>
+            <a:r>
+              <a:rPr lang="en-US" sz="2000" dirty="0" err="1"/>
+              <a:t>prepared_for_weather</a:t>
+            </a:r>
+            <a:r>
+              <a:rPr lang="en-US" sz="2000" dirty="0"/>
+              <a:t>(</a:t>
+            </a:r>
+            <a:r>
+              <a:rPr lang="en-US" sz="2000" dirty="0" err="1"/>
+              <a:t>have_umbrella</a:t>
+            </a:r>
+            <a:r>
+              <a:rPr lang="en-US" sz="2000" dirty="0"/>
+              <a:t>, </a:t>
+            </a:r>
+            <a:r>
+              <a:rPr lang="en-US" sz="2000" dirty="0" err="1"/>
+              <a:t>rain_level</a:t>
+            </a:r>
+            <a:r>
+              <a:rPr lang="en-US" sz="2000" dirty="0"/>
+              <a:t>, </a:t>
+            </a:r>
+            <a:r>
+              <a:rPr lang="en-US" sz="2000" dirty="0" err="1"/>
+              <a:t>have_hood</a:t>
+            </a:r>
+            <a:r>
+              <a:rPr lang="en-US" sz="2000" dirty="0"/>
+              <a:t>, </a:t>
+            </a:r>
+            <a:r>
+              <a:rPr lang="en-US" sz="2000" dirty="0" err="1"/>
+              <a:t>is_workday</a:t>
+            </a:r>
+            <a:r>
+              <a:rPr lang="en-US" sz="2000" dirty="0"/>
+              <a:t>):</a:t>
+            </a:r>
+            <a:br>
+              <a:rPr lang="en-US" sz="2000" dirty="0"/>
+            </a:br>
+            <a:r>
+              <a:rPr lang="en-US" sz="2000" dirty="0"/>
+              <a:t>    return </a:t>
+            </a:r>
+            <a:r>
+              <a:rPr lang="en-US" sz="2000" dirty="0" err="1"/>
+              <a:t>have_umbrella</a:t>
+            </a:r>
+            <a:r>
+              <a:rPr lang="en-US" sz="2000" dirty="0"/>
+              <a:t> or </a:t>
+            </a:r>
+            <a:r>
+              <a:rPr lang="en-US" sz="2000" dirty="0" err="1"/>
+              <a:t>rain_level</a:t>
+            </a:r>
+            <a:r>
+              <a:rPr lang="en-US" sz="2000" dirty="0"/>
+              <a:t> &lt; 5 and </a:t>
+            </a:r>
+            <a:r>
+              <a:rPr lang="en-US" sz="2000" dirty="0" err="1"/>
+              <a:t>have_hood</a:t>
+            </a:r>
+            <a:r>
+              <a:rPr lang="en-US" sz="2000" dirty="0"/>
+              <a:t> or not </a:t>
+            </a:r>
+            <a:r>
+              <a:rPr lang="en-US" sz="2000" dirty="0" err="1"/>
+              <a:t>rain_level</a:t>
+            </a:r>
+            <a:r>
+              <a:rPr lang="en-US" sz="2000" dirty="0"/>
+              <a:t> &gt; 0 and </a:t>
+            </a:r>
+            <a:r>
+              <a:rPr lang="en-US" sz="2000" dirty="0" err="1"/>
+              <a:t>is_workday</a:t>
+            </a:r>
+            <a:br>
+              <a:rPr lang="en-US" sz="2000" dirty="0"/>
+            </a:br>
+            <a:br>
+              <a:rPr lang="en-US" sz="2000" dirty="0"/>
+            </a:br>
+            <a:r>
+              <a:rPr lang="en-US" sz="2000" dirty="0" err="1"/>
+              <a:t>have_umbrella</a:t>
+            </a:r>
+            <a:r>
+              <a:rPr lang="en-US" sz="2000" dirty="0"/>
+              <a:t> = False</a:t>
+            </a:r>
+            <a:br>
+              <a:rPr lang="en-US" sz="2000" dirty="0"/>
+            </a:br>
+            <a:r>
+              <a:rPr lang="en-US" sz="2000" dirty="0" err="1"/>
+              <a:t>rain_level</a:t>
+            </a:r>
+            <a:r>
+              <a:rPr lang="en-US" sz="2000" dirty="0"/>
+              <a:t> = 0.0</a:t>
+            </a:r>
+            <a:br>
+              <a:rPr lang="en-US" sz="2000" dirty="0"/>
+            </a:br>
+            <a:r>
+              <a:rPr lang="en-US" sz="2000" dirty="0" err="1"/>
+              <a:t>have_hood</a:t>
+            </a:r>
+            <a:r>
+              <a:rPr lang="en-US" sz="2000" dirty="0"/>
+              <a:t> = False</a:t>
+            </a:r>
+            <a:br>
+              <a:rPr lang="en-US" sz="2000" dirty="0"/>
+            </a:br>
+            <a:r>
+              <a:rPr lang="en-US" sz="2000" dirty="0" err="1"/>
+              <a:t>is_workday</a:t>
+            </a:r>
+            <a:r>
+              <a:rPr lang="en-US" sz="2000" dirty="0"/>
+              <a:t> = True</a:t>
+            </a:r>
+            <a:br>
+              <a:rPr lang="en-US" sz="2000" dirty="0"/>
+            </a:br>
+            <a:br>
+              <a:rPr lang="en-US" sz="2000" dirty="0"/>
+            </a:br>
+            <a:r>
+              <a:rPr lang="en-US" sz="2000" dirty="0"/>
+              <a:t>actual = </a:t>
+            </a:r>
+            <a:r>
+              <a:rPr lang="en-US" sz="2000" dirty="0" err="1"/>
+              <a:t>prepared_for_weather</a:t>
+            </a:r>
+            <a:r>
+              <a:rPr lang="en-US" sz="2000" dirty="0"/>
+              <a:t>(</a:t>
+            </a:r>
+            <a:r>
+              <a:rPr lang="en-US" sz="2000" dirty="0" err="1"/>
+              <a:t>have_umbrella</a:t>
+            </a:r>
+            <a:r>
+              <a:rPr lang="en-US" sz="2000" dirty="0"/>
+              <a:t>, </a:t>
+            </a:r>
+            <a:r>
+              <a:rPr lang="en-US" sz="2000" dirty="0" err="1"/>
+              <a:t>rain_level</a:t>
+            </a:r>
+            <a:r>
+              <a:rPr lang="en-US" sz="2000" dirty="0"/>
+              <a:t>, </a:t>
+            </a:r>
+            <a:r>
+              <a:rPr lang="en-US" sz="2000" dirty="0" err="1"/>
+              <a:t>have_hood</a:t>
+            </a:r>
+            <a:r>
+              <a:rPr lang="en-US" sz="2000" dirty="0"/>
+              <a:t>, </a:t>
+            </a:r>
+            <a:r>
+              <a:rPr lang="en-US" sz="2000" dirty="0" err="1"/>
+              <a:t>is_workday</a:t>
+            </a:r>
+            <a:r>
+              <a:rPr lang="en-US" sz="2000" dirty="0"/>
+              <a:t>)</a:t>
+            </a:r>
+            <a:br>
+              <a:rPr lang="en-US" sz="2000" dirty="0"/>
+            </a:br>
+            <a:r>
+              <a:rPr lang="en-US" sz="2000" dirty="0"/>
+              <a:t>print(actual)</a:t>
+            </a:r>
+          </a:p>
+        </p:txBody>
+      </p:sp>
+      <p:pic>
+        <p:nvPicPr>
+          <p:cNvPr id="5" name="圖片 4">
+            <a:extLst>
+              <a:ext uri="{FF2B5EF4-FFF2-40B4-BE49-F238E27FC236}">
+                <a16:creationId xmlns:a16="http://schemas.microsoft.com/office/drawing/2014/main" id="{4ADA6251-B293-4B5C-A221-7AF0B67987A7}"/>
+              </a:ext>
+            </a:extLst>
+          </p:cNvPr>
+          <p:cNvPicPr>
+            <a:picLocks noChangeAspect="1"/>
+          </p:cNvPicPr>
+          <p:nvPr/>
+        </p:nvPicPr>
+        <p:blipFill>
+          <a:blip r:embed="rId2"/>
+          <a:stretch>
+            <a:fillRect/>
+          </a:stretch>
+        </p:blipFill>
+        <p:spPr>
+          <a:xfrm>
+            <a:off x="838200" y="621665"/>
+            <a:ext cx="10477500" cy="2543175"/>
+          </a:xfrm>
+          <a:prstGeom prst="rect">
+            <a:avLst/>
+          </a:prstGeom>
+        </p:spPr>
+      </p:pic>
+    </p:spTree>
+    <p:extLst>
+      <p:ext uri="{BB962C8B-B14F-4D97-AF65-F5344CB8AC3E}">
+        <p14:creationId xmlns:p14="http://schemas.microsoft.com/office/powerpoint/2010/main" val="4132963153"/>
       </p:ext>
     </p:extLst>
   </p:cSld>
